--- a/doc/SingtelIOT_Progress_11_06_2019_LiuYuancheng.pptx
+++ b/doc/SingtelIOT_Progress_11_06_2019_LiuYuancheng.pptx
@@ -877,10 +877,18 @@
         <a:bodyPr/>
         <a:lstStyle/>
         <a:p>
-          <a:pPr algn="l"/>
+          <a:pPr algn="l">
+            <a:lnSpc>
+              <a:spcPct val="100000"/>
+            </a:lnSpc>
+          </a:pPr>
           <a:r>
             <a:rPr lang="en-US" sz="1400" b="1" dirty="0" smtClean="0"/>
-            <a:t>Week 12</a:t>
+            <a:t>Week </a:t>
+          </a:r>
+          <a:r>
+            <a:rPr lang="en-US" sz="1400" b="1" dirty="0" smtClean="0"/>
+            <a:t>12</a:t>
           </a:r>
           <a:r>
             <a:rPr lang="en-US" sz="1400" b="1" dirty="0" smtClean="0"/>
@@ -893,7 +901,6 @@
             <a:rPr lang="en-US" sz="1400" b="1" dirty="0" smtClean="0"/>
             <a:t>Set TrustZone on Raspberry PI.</a:t>
           </a:r>
-          <a:endParaRPr lang="en-US" sz="1400" b="1" dirty="0" smtClean="0"/>
         </a:p>
       </dgm:t>
     </dgm:pt>
@@ -920,7 +927,7 @@
       </dgm:t>
     </dgm:pt>
     <dgm:pt modelId="{94375D91-6FAA-4095-8B34-4B01C1CCA488}">
-      <dgm:prSet phldrT="[Text]"/>
+      <dgm:prSet phldrT="[Text]" custT="1"/>
       <dgm:spPr/>
       <dgm:t>
         <a:bodyPr/>
@@ -928,17 +935,24 @@
         <a:p>
           <a:pPr algn="l"/>
           <a:r>
-            <a:rPr lang="en-US" b="1" dirty="0" smtClean="0"/>
-            <a:t>Week 13</a:t>
+            <a:rPr lang="en-US" sz="1400" b="1" dirty="0" smtClean="0"/>
+            <a:t>Week </a:t>
+          </a:r>
+          <a:r>
+            <a:rPr lang="en-US" sz="1400" b="1" dirty="0" smtClean="0"/>
+            <a:t>13</a:t>
           </a:r>
         </a:p>
         <a:p>
           <a:pPr algn="l"/>
           <a:r>
-            <a:rPr lang="en-US" b="1" dirty="0" smtClean="0"/>
-            <a:t>Trust application + server</a:t>
+            <a:rPr lang="en-US" sz="1400" b="1" dirty="0" smtClean="0"/>
+            <a:t>Trust </a:t>
           </a:r>
-          <a:endParaRPr lang="en-US" b="1" dirty="0" smtClean="0"/>
+          <a:r>
+            <a:rPr lang="en-US" sz="1400" b="1" dirty="0" smtClean="0"/>
+            <a:t>application + server</a:t>
+          </a:r>
         </a:p>
       </dgm:t>
     </dgm:pt>
@@ -965,7 +979,7 @@
       </dgm:t>
     </dgm:pt>
     <dgm:pt modelId="{51EDCF2D-2C1B-45C0-9FA8-776439DC02A3}">
-      <dgm:prSet phldrT="[Text]"/>
+      <dgm:prSet phldrT="[Text]" custT="1"/>
       <dgm:spPr/>
       <dgm:t>
         <a:bodyPr/>
@@ -973,7 +987,7 @@
         <a:p>
           <a:pPr algn="l"/>
           <a:r>
-            <a:rPr lang="en-US" b="1" dirty="0" smtClean="0"/>
+            <a:rPr lang="en-US" sz="1400" b="1" dirty="0" smtClean="0"/>
             <a:t>now</a:t>
           </a:r>
         </a:p>
@@ -1103,8 +1117,8 @@
       </dsp:nvSpPr>
       <dsp:spPr>
         <a:xfrm>
-          <a:off x="0" y="1011193"/>
-          <a:ext cx="3029271" cy="558803"/>
+          <a:off x="0" y="1029504"/>
+          <a:ext cx="2830739" cy="522180"/>
         </a:xfrm>
         <a:prstGeom prst="homePlate">
           <a:avLst/>
@@ -1153,7 +1167,7 @@
         <a:p>
           <a:pPr lvl="0" algn="l" defTabSz="622300">
             <a:lnSpc>
-              <a:spcPct val="90000"/>
+              <a:spcPct val="100000"/>
             </a:lnSpc>
             <a:spcBef>
               <a:spcPct val="0"/>
@@ -1164,7 +1178,11 @@
           </a:pPr>
           <a:r>
             <a:rPr lang="en-US" sz="1400" b="1" kern="1200" dirty="0" smtClean="0"/>
-            <a:t>Week 12</a:t>
+            <a:t>Week </a:t>
+          </a:r>
+          <a:r>
+            <a:rPr lang="en-US" sz="1400" b="1" kern="1200" dirty="0" smtClean="0"/>
+            <a:t>12</a:t>
           </a:r>
           <a:r>
             <a:rPr lang="en-US" sz="1400" b="1" kern="1200" dirty="0" smtClean="0"/>
@@ -1177,12 +1195,11 @@
             <a:rPr lang="en-US" sz="1400" b="1" kern="1200" dirty="0" smtClean="0"/>
             <a:t>Set TrustZone on Raspberry PI.</a:t>
           </a:r>
-          <a:endParaRPr lang="en-US" sz="1400" b="1" kern="1200" dirty="0" smtClean="0"/>
         </a:p>
       </dsp:txBody>
       <dsp:txXfrm>
-        <a:off x="0" y="1011193"/>
-        <a:ext cx="2889570" cy="558803"/>
+        <a:off x="0" y="1029504"/>
+        <a:ext cx="2700194" cy="522180"/>
       </dsp:txXfrm>
     </dsp:sp>
     <dsp:sp modelId="{09078936-657C-4570-81A2-333A05E4079D}">
@@ -1192,8 +1209,8 @@
       </dsp:nvSpPr>
       <dsp:spPr>
         <a:xfrm>
-          <a:off x="2464705" y="1011193"/>
-          <a:ext cx="3029271" cy="558803"/>
+          <a:off x="2303173" y="1029504"/>
+          <a:ext cx="2830739" cy="522180"/>
         </a:xfrm>
         <a:prstGeom prst="chevron">
           <a:avLst/>
@@ -1253,7 +1270,11 @@
           </a:pPr>
           <a:r>
             <a:rPr lang="en-US" sz="1400" b="1" kern="1200" dirty="0" smtClean="0"/>
-            <a:t>Week 13</a:t>
+            <a:t>Week </a:t>
+          </a:r>
+          <a:r>
+            <a:rPr lang="en-US" sz="1400" b="1" kern="1200" dirty="0" smtClean="0"/>
+            <a:t>13</a:t>
           </a:r>
         </a:p>
         <a:p>
@@ -1270,14 +1291,17 @@
           </a:pPr>
           <a:r>
             <a:rPr lang="en-US" sz="1400" b="1" kern="1200" dirty="0" smtClean="0"/>
-            <a:t>Trust application + server</a:t>
+            <a:t>Trust </a:t>
           </a:r>
-          <a:endParaRPr lang="en-US" sz="1400" b="1" kern="1200" dirty="0" smtClean="0"/>
+          <a:r>
+            <a:rPr lang="en-US" sz="1400" b="1" kern="1200" dirty="0" smtClean="0"/>
+            <a:t>application + server</a:t>
+          </a:r>
         </a:p>
       </dsp:txBody>
       <dsp:txXfrm>
-        <a:off x="2744107" y="1011193"/>
-        <a:ext cx="2470468" cy="558803"/>
+        <a:off x="2564263" y="1029504"/>
+        <a:ext cx="2308559" cy="522180"/>
       </dsp:txXfrm>
     </dsp:sp>
     <dsp:sp modelId="{79FE03FA-5146-4E59-BC7C-1FB306C0EE3F}">
@@ -1287,8 +1311,8 @@
       </dsp:nvSpPr>
       <dsp:spPr>
         <a:xfrm>
-          <a:off x="4850299" y="1011193"/>
-          <a:ext cx="3029271" cy="558803"/>
+          <a:off x="4532419" y="1029504"/>
+          <a:ext cx="2830739" cy="522180"/>
         </a:xfrm>
         <a:prstGeom prst="chevron">
           <a:avLst/>
@@ -1353,8 +1377,8 @@
         </a:p>
       </dsp:txBody>
       <dsp:txXfrm>
-        <a:off x="5129701" y="1011193"/>
-        <a:ext cx="2470468" cy="558803"/>
+        <a:off x="4793509" y="1029504"/>
+        <a:ext cx="2308559" cy="522180"/>
       </dsp:txXfrm>
     </dsp:sp>
   </dsp:spTree>
@@ -2749,7 +2773,7 @@
           <a:p>
             <a:fld id="{BC02A1FE-92B0-47DA-8D83-FD3264FE7FF1}" type="datetimeFigureOut">
               <a:rPr lang="en-SG" smtClean="0"/>
-              <a:t>10/6/2019</a:t>
+              <a:t>11/6/2019</a:t>
             </a:fld>
             <a:endParaRPr lang="en-SG" dirty="0"/>
           </a:p>
@@ -3322,7 +3346,7 @@
           <a:p>
             <a:fld id="{EFC67413-6A79-4906-82BE-ABBFD7468337}" type="datetimeFigureOut">
               <a:rPr lang="en-SG" smtClean="0"/>
-              <a:t>10/6/2019</a:t>
+              <a:t>11/6/2019</a:t>
             </a:fld>
             <a:endParaRPr lang="en-SG" dirty="0"/>
           </a:p>
@@ -3492,7 +3516,7 @@
           <a:p>
             <a:fld id="{EFC67413-6A79-4906-82BE-ABBFD7468337}" type="datetimeFigureOut">
               <a:rPr lang="en-SG" smtClean="0"/>
-              <a:t>10/6/2019</a:t>
+              <a:t>11/6/2019</a:t>
             </a:fld>
             <a:endParaRPr lang="en-SG" dirty="0"/>
           </a:p>
@@ -3672,7 +3696,7 @@
           <a:p>
             <a:fld id="{EFC67413-6A79-4906-82BE-ABBFD7468337}" type="datetimeFigureOut">
               <a:rPr lang="en-SG" smtClean="0"/>
-              <a:t>10/6/2019</a:t>
+              <a:t>11/6/2019</a:t>
             </a:fld>
             <a:endParaRPr lang="en-SG" dirty="0"/>
           </a:p>
@@ -3842,7 +3866,7 @@
           <a:p>
             <a:fld id="{EFC67413-6A79-4906-82BE-ABBFD7468337}" type="datetimeFigureOut">
               <a:rPr lang="en-SG" smtClean="0"/>
-              <a:t>10/6/2019</a:t>
+              <a:t>11/6/2019</a:t>
             </a:fld>
             <a:endParaRPr lang="en-SG" dirty="0"/>
           </a:p>
@@ -4088,7 +4112,7 @@
           <a:p>
             <a:fld id="{EFC67413-6A79-4906-82BE-ABBFD7468337}" type="datetimeFigureOut">
               <a:rPr lang="en-SG" smtClean="0"/>
-              <a:t>10/6/2019</a:t>
+              <a:t>11/6/2019</a:t>
             </a:fld>
             <a:endParaRPr lang="en-SG" dirty="0"/>
           </a:p>
@@ -4320,7 +4344,7 @@
           <a:p>
             <a:fld id="{EFC67413-6A79-4906-82BE-ABBFD7468337}" type="datetimeFigureOut">
               <a:rPr lang="en-SG" smtClean="0"/>
-              <a:t>10/6/2019</a:t>
+              <a:t>11/6/2019</a:t>
             </a:fld>
             <a:endParaRPr lang="en-SG" dirty="0"/>
           </a:p>
@@ -4687,7 +4711,7 @@
           <a:p>
             <a:fld id="{EFC67413-6A79-4906-82BE-ABBFD7468337}" type="datetimeFigureOut">
               <a:rPr lang="en-SG" smtClean="0"/>
-              <a:t>10/6/2019</a:t>
+              <a:t>11/6/2019</a:t>
             </a:fld>
             <a:endParaRPr lang="en-SG" dirty="0"/>
           </a:p>
@@ -4805,7 +4829,7 @@
           <a:p>
             <a:fld id="{EFC67413-6A79-4906-82BE-ABBFD7468337}" type="datetimeFigureOut">
               <a:rPr lang="en-SG" smtClean="0"/>
-              <a:t>10/6/2019</a:t>
+              <a:t>11/6/2019</a:t>
             </a:fld>
             <a:endParaRPr lang="en-SG" dirty="0"/>
           </a:p>
@@ -4900,7 +4924,7 @@
           <a:p>
             <a:fld id="{EFC67413-6A79-4906-82BE-ABBFD7468337}" type="datetimeFigureOut">
               <a:rPr lang="en-SG" smtClean="0"/>
-              <a:t>10/6/2019</a:t>
+              <a:t>11/6/2019</a:t>
             </a:fld>
             <a:endParaRPr lang="en-SG" dirty="0"/>
           </a:p>
@@ -5177,7 +5201,7 @@
           <a:p>
             <a:fld id="{EFC67413-6A79-4906-82BE-ABBFD7468337}" type="datetimeFigureOut">
               <a:rPr lang="en-SG" smtClean="0"/>
-              <a:t>10/6/2019</a:t>
+              <a:t>11/6/2019</a:t>
             </a:fld>
             <a:endParaRPr lang="en-SG" dirty="0"/>
           </a:p>
@@ -5430,7 +5454,7 @@
           <a:p>
             <a:fld id="{EFC67413-6A79-4906-82BE-ABBFD7468337}" type="datetimeFigureOut">
               <a:rPr lang="en-SG" smtClean="0"/>
-              <a:t>10/6/2019</a:t>
+              <a:t>11/6/2019</a:t>
             </a:fld>
             <a:endParaRPr lang="en-SG" dirty="0"/>
           </a:p>
@@ -5643,7 +5667,7 @@
           <a:p>
             <a:fld id="{EFC67413-6A79-4906-82BE-ABBFD7468337}" type="datetimeFigureOut">
               <a:rPr lang="en-SG" smtClean="0"/>
-              <a:t>10/6/2019</a:t>
+              <a:t>11/6/2019</a:t>
             </a:fld>
             <a:endParaRPr lang="en-SG" dirty="0"/>
           </a:p>
@@ -7057,14 +7081,14 @@
           <p:nvPr>
             <p:extLst>
               <p:ext uri="{D42A27DB-BD31-4B8C-83A1-F6EECF244321}">
-                <p14:modId xmlns:p14="http://schemas.microsoft.com/office/powerpoint/2010/main" val="768592614"/>
+                <p14:modId xmlns:p14="http://schemas.microsoft.com/office/powerpoint/2010/main" val="2813439683"/>
               </p:ext>
             </p:extLst>
           </p:nvPr>
         </p:nvGraphicFramePr>
         <p:xfrm>
           <a:off x="1943859" y="936171"/>
-          <a:ext cx="7883035" cy="2581190"/>
+          <a:ext cx="7366396" cy="2581190"/>
         </p:xfrm>
         <a:graphic>
           <a:graphicData uri="http://schemas.openxmlformats.org/drawingml/2006/diagram">
@@ -7080,8 +7104,8 @@
         </p:nvSpPr>
         <p:spPr>
           <a:xfrm>
-            <a:off x="1873073" y="2609419"/>
-            <a:ext cx="2330369" cy="738664"/>
+            <a:off x="1784431" y="2541509"/>
+            <a:ext cx="2330369" cy="954107"/>
           </a:xfrm>
           <a:prstGeom prst="rect">
             <a:avLst/>
@@ -7104,91 +7128,13 @@
                   <a:schemeClr val="tx2"/>
                 </a:solidFill>
               </a:rPr>
-              <a:t>Try to set </a:t>
-            </a:r>
-            <a:r>
-              <a:rPr lang="en-US" sz="1400" b="1" dirty="0" smtClean="0">
-                <a:solidFill>
-                  <a:schemeClr val="tx2"/>
-                </a:solidFill>
-              </a:rPr>
-              <a:t>TrustZone</a:t>
-            </a:r>
-            <a:r>
-              <a:rPr lang="en-US" sz="1400" b="1" dirty="0" smtClean="0">
-                <a:solidFill>
-                  <a:schemeClr val="tx2"/>
-                </a:solidFill>
-              </a:rPr>
-              <a:t> OPTEE on Raspberry PI. </a:t>
-            </a:r>
-          </a:p>
-          <a:p>
-            <a:pPr marL="285750" indent="-285750">
-              <a:buFontTx/>
-              <a:buChar char="-"/>
-            </a:pPr>
-            <a:r>
-              <a:rPr lang="en-US" sz="1400" b="1" dirty="0" smtClean="0">
-                <a:solidFill>
-                  <a:schemeClr val="tx2"/>
-                </a:solidFill>
-              </a:rPr>
-              <a:t>Test OPTEE on </a:t>
-            </a:r>
-            <a:r>
-              <a:rPr lang="en-US" sz="1400" b="1" dirty="0" smtClean="0">
-                <a:solidFill>
-                  <a:schemeClr val="tx2"/>
-                </a:solidFill>
-              </a:rPr>
-              <a:t>RaspBian</a:t>
-            </a:r>
-            <a:r>
-              <a:rPr lang="en-US" sz="1400" b="1" dirty="0" smtClean="0">
-                <a:solidFill>
-                  <a:schemeClr val="tx2"/>
-                </a:solidFill>
-              </a:rPr>
-              <a:t>. </a:t>
-            </a:r>
-          </a:p>
-        </p:txBody>
-      </p:sp>
-      <p:sp>
-        <p:nvSpPr>
-          <p:cNvPr id="15" name="TextBox 14"/>
-          <p:cNvSpPr txBox="1"/>
-          <p:nvPr/>
-        </p:nvSpPr>
-        <p:spPr>
-          <a:xfrm>
-            <a:off x="4350428" y="2617224"/>
-            <a:ext cx="2669208" cy="2462213"/>
-          </a:xfrm>
-          <a:prstGeom prst="rect">
-            <a:avLst/>
-          </a:prstGeom>
-          <a:noFill/>
-        </p:spPr>
-        <p:txBody>
-          <a:bodyPr wrap="square" rtlCol="0">
-            <a:spAutoFit/>
-          </a:bodyPr>
-          <a:lstStyle/>
-          <a:p>
-            <a:pPr marL="285750" indent="-285750">
-              <a:buFontTx/>
-              <a:buChar char="-"/>
-            </a:pPr>
-            <a:r>
-              <a:rPr lang="en-US" sz="1400" b="1" dirty="0" smtClean="0">
-                <a:solidFill>
-                  <a:schemeClr val="tx2"/>
-                </a:solidFill>
-              </a:rPr>
-              <a:t>Created the Trust Application and do test. </a:t>
-            </a:r>
+              <a:t>Try to set TrustZone OPTEE on Raspberry PI. </a:t>
+            </a:r>
+            <a:endParaRPr lang="en-US" sz="1400" b="1" dirty="0" smtClean="0">
+              <a:solidFill>
+                <a:schemeClr val="tx2"/>
+              </a:solidFill>
+            </a:endParaRPr>
           </a:p>
           <a:p>
             <a:pPr marL="285750" indent="-285750">
@@ -7212,6 +7158,68 @@
                   <a:schemeClr val="tx2"/>
                 </a:solidFill>
               </a:rPr>
+              <a:t>Test OPTEE on RaspBian. </a:t>
+            </a:r>
+          </a:p>
+        </p:txBody>
+      </p:sp>
+      <p:sp>
+        <p:nvSpPr>
+          <p:cNvPr id="15" name="TextBox 14"/>
+          <p:cNvSpPr txBox="1"/>
+          <p:nvPr/>
+        </p:nvSpPr>
+        <p:spPr>
+          <a:xfrm>
+            <a:off x="4266791" y="2566922"/>
+            <a:ext cx="2254082" cy="2677656"/>
+          </a:xfrm>
+          <a:prstGeom prst="rect">
+            <a:avLst/>
+          </a:prstGeom>
+          <a:noFill/>
+        </p:spPr>
+        <p:txBody>
+          <a:bodyPr wrap="square" rtlCol="0">
+            <a:spAutoFit/>
+          </a:bodyPr>
+          <a:lstStyle/>
+          <a:p>
+            <a:pPr marL="285750" indent="-285750">
+              <a:buFontTx/>
+              <a:buChar char="-"/>
+            </a:pPr>
+            <a:r>
+              <a:rPr lang="en-US" sz="1400" b="1" dirty="0" smtClean="0">
+                <a:solidFill>
+                  <a:schemeClr val="tx2"/>
+                </a:solidFill>
+              </a:rPr>
+              <a:t>Created the Trust Application and do test. </a:t>
+            </a:r>
+          </a:p>
+          <a:p>
+            <a:pPr marL="285750" indent="-285750">
+              <a:buFontTx/>
+              <a:buChar char="-"/>
+            </a:pPr>
+            <a:endParaRPr lang="en-US" sz="1400" b="1" dirty="0" smtClean="0">
+              <a:solidFill>
+                <a:schemeClr val="tx2"/>
+              </a:solidFill>
+            </a:endParaRPr>
+          </a:p>
+          <a:p>
+            <a:pPr marL="285750" indent="-285750">
+              <a:buFontTx/>
+              <a:buChar char="-"/>
+            </a:pPr>
+            <a:r>
+              <a:rPr lang="en-US" sz="1400" b="1" dirty="0" smtClean="0">
+                <a:solidFill>
+                  <a:schemeClr val="tx2"/>
+                </a:solidFill>
+              </a:rPr>
               <a:t>Server program to do, message communication , AES encryption/decryption, SWATT verification. </a:t>
             </a:r>
           </a:p>
@@ -7235,11 +7243,6 @@
               </a:rPr>
               <a:t>Client program to do file check, TA and server communication. </a:t>
             </a:r>
-            <a:endParaRPr lang="en-US" sz="1400" b="1" dirty="0" smtClean="0">
-              <a:solidFill>
-                <a:schemeClr val="tx2"/>
-              </a:solidFill>
-            </a:endParaRPr>
           </a:p>
         </p:txBody>
       </p:sp>
@@ -7251,8 +7254,8 @@
         </p:nvSpPr>
         <p:spPr>
           <a:xfrm>
-            <a:off x="6899564" y="2617224"/>
-            <a:ext cx="2330369" cy="738664"/>
+            <a:off x="6672864" y="2566922"/>
+            <a:ext cx="2889507" cy="1384995"/>
           </a:xfrm>
           <a:prstGeom prst="rect">
             <a:avLst/>
@@ -7271,7 +7274,35 @@
                   <a:schemeClr val="tx2"/>
                 </a:solidFill>
               </a:rPr>
-              <a:t>Add the new file checking program to replace the original SWATT. </a:t>
+              <a:t>- Rebuilding the SWATT to be a trust APP by C </a:t>
+            </a:r>
+          </a:p>
+          <a:p>
+            <a:r>
+              <a:rPr lang="en-US" sz="1400" b="1" dirty="0" smtClean="0">
+                <a:solidFill>
+                  <a:schemeClr val="tx2"/>
+                </a:solidFill>
+              </a:rPr>
+              <a:t> </a:t>
+            </a:r>
+          </a:p>
+          <a:p>
+            <a:r>
+              <a:rPr lang="en-US" sz="1400" b="1" dirty="0" smtClean="0">
+                <a:solidFill>
+                  <a:schemeClr val="tx2"/>
+                </a:solidFill>
+              </a:rPr>
+              <a:t>- Fixed a bug which caused the calculated SWATT value </a:t>
+            </a:r>
+            <a:r>
+              <a:rPr lang="en-US" sz="1400" b="1" dirty="0" smtClean="0">
+                <a:solidFill>
+                  <a:schemeClr val="tx2"/>
+                </a:solidFill>
+              </a:rPr>
+              <a:t>different on different device. </a:t>
             </a:r>
             <a:endParaRPr lang="en-US" sz="1400" b="1" dirty="0" smtClean="0">
               <a:solidFill>
@@ -7281,6 +7312,36 @@
           </a:p>
         </p:txBody>
       </p:sp>
+      <p:pic>
+        <p:nvPicPr>
+          <p:cNvPr id="16" name="Picture 15"/>
+          <p:cNvPicPr>
+            <a:picLocks noChangeAspect="1"/>
+          </p:cNvPicPr>
+          <p:nvPr/>
+        </p:nvPicPr>
+        <p:blipFill>
+          <a:blip r:embed="rId9" cstate="print">
+            <a:extLst>
+              <a:ext uri="{28A0092B-C50C-407E-A947-70E740481C1C}">
+                <a14:useLocalDpi xmlns:a14="http://schemas.microsoft.com/office/drawing/2010/main" val="0"/>
+              </a:ext>
+            </a:extLst>
+          </a:blip>
+          <a:stretch>
+            <a:fillRect/>
+          </a:stretch>
+        </p:blipFill>
+        <p:spPr>
+          <a:xfrm>
+            <a:off x="6713285" y="4060646"/>
+            <a:ext cx="4536605" cy="2750607"/>
+          </a:xfrm>
+          <a:prstGeom prst="rect">
+            <a:avLst/>
+          </a:prstGeom>
+        </p:spPr>
+      </p:pic>
     </p:spTree>
     <p:extLst>
       <p:ext uri="{BB962C8B-B14F-4D97-AF65-F5344CB8AC3E}">
